--- a/AirTicketBooking-Uday Kiran and Yashwanth(Team10).pptx
+++ b/AirTicketBooking-Uday Kiran and Yashwanth(Team10).pptx
@@ -263,7 +263,7 @@
             <a:fld id="{1D8BD707-D9CF-40AE-B4C6-C98DA3205C09}" type="datetimeFigureOut">
               <a:rPr lang="en-US" smtClean="0"/>
               <a:pPr/>
-              <a:t>12/10/2023</a:t>
+              <a:t>12/11/2023</a:t>
             </a:fld>
             <a:endParaRPr lang="en-US"/>
           </a:p>
@@ -563,7 +563,7 @@
             <a:fld id="{1D8BD707-D9CF-40AE-B4C6-C98DA3205C09}" type="datetimeFigureOut">
               <a:rPr lang="en-US" smtClean="0"/>
               <a:pPr/>
-              <a:t>12/10/2023</a:t>
+              <a:t>12/11/2023</a:t>
             </a:fld>
             <a:endParaRPr lang="en-US"/>
           </a:p>
@@ -739,7 +739,7 @@
             <a:fld id="{1D8BD707-D9CF-40AE-B4C6-C98DA3205C09}" type="datetimeFigureOut">
               <a:rPr lang="en-US" smtClean="0"/>
               <a:pPr/>
-              <a:t>12/10/2023</a:t>
+              <a:t>12/11/2023</a:t>
             </a:fld>
             <a:endParaRPr lang="en-US"/>
           </a:p>
@@ -905,7 +905,7 @@
             <a:fld id="{1D8BD707-D9CF-40AE-B4C6-C98DA3205C09}" type="datetimeFigureOut">
               <a:rPr lang="en-US" smtClean="0"/>
               <a:pPr/>
-              <a:t>12/10/2023</a:t>
+              <a:t>12/11/2023</a:t>
             </a:fld>
             <a:endParaRPr lang="en-US"/>
           </a:p>
@@ -1166,7 +1166,7 @@
             <a:fld id="{1D8BD707-D9CF-40AE-B4C6-C98DA3205C09}" type="datetimeFigureOut">
               <a:rPr lang="en-US" smtClean="0"/>
               <a:pPr/>
-              <a:t>12/10/2023</a:t>
+              <a:t>12/11/2023</a:t>
             </a:fld>
             <a:endParaRPr lang="en-US"/>
           </a:p>
@@ -1621,7 +1621,7 @@
             <a:fld id="{1D8BD707-D9CF-40AE-B4C6-C98DA3205C09}" type="datetimeFigureOut">
               <a:rPr lang="en-US" smtClean="0"/>
               <a:pPr/>
-              <a:t>12/10/2023</a:t>
+              <a:t>12/11/2023</a:t>
             </a:fld>
             <a:endParaRPr lang="en-US"/>
           </a:p>
@@ -2105,7 +2105,7 @@
             <a:fld id="{1D8BD707-D9CF-40AE-B4C6-C98DA3205C09}" type="datetimeFigureOut">
               <a:rPr lang="en-US" smtClean="0"/>
               <a:pPr/>
-              <a:t>12/10/2023</a:t>
+              <a:t>12/11/2023</a:t>
             </a:fld>
             <a:endParaRPr lang="en-US"/>
           </a:p>
@@ -2224,7 +2224,7 @@
             <a:fld id="{1D8BD707-D9CF-40AE-B4C6-C98DA3205C09}" type="datetimeFigureOut">
               <a:rPr lang="en-US" smtClean="0"/>
               <a:pPr/>
-              <a:t>12/10/2023</a:t>
+              <a:t>12/11/2023</a:t>
             </a:fld>
             <a:endParaRPr lang="en-US"/>
           </a:p>
@@ -2362,7 +2362,7 @@
             <a:fld id="{1D8BD707-D9CF-40AE-B4C6-C98DA3205C09}" type="datetimeFigureOut">
               <a:rPr lang="en-US" smtClean="0"/>
               <a:pPr/>
-              <a:t>12/10/2023</a:t>
+              <a:t>12/11/2023</a:t>
             </a:fld>
             <a:endParaRPr lang="en-US"/>
           </a:p>
@@ -2677,7 +2677,7 @@
             <a:fld id="{1D8BD707-D9CF-40AE-B4C6-C98DA3205C09}" type="datetimeFigureOut">
               <a:rPr lang="en-US" smtClean="0"/>
               <a:pPr/>
-              <a:t>12/10/2023</a:t>
+              <a:t>12/11/2023</a:t>
             </a:fld>
             <a:endParaRPr lang="en-US"/>
           </a:p>
@@ -2806,7 +2806,7 @@
             <a:fld id="{1D8BD707-D9CF-40AE-B4C6-C98DA3205C09}" type="datetimeFigureOut">
               <a:rPr lang="en-US" smtClean="0"/>
               <a:pPr/>
-              <a:t>12/10/2023</a:t>
+              <a:t>12/11/2023</a:t>
             </a:fld>
             <a:endParaRPr lang="en-US"/>
           </a:p>
@@ -3565,7 +3565,7 @@
             <a:fld id="{1D8BD707-D9CF-40AE-B4C6-C98DA3205C09}" type="datetimeFigureOut">
               <a:rPr lang="en-US" smtClean="0"/>
               <a:pPr/>
-              <a:t>12/10/2023</a:t>
+              <a:t>12/11/2023</a:t>
             </a:fld>
             <a:endParaRPr lang="en-US"/>
           </a:p>
@@ -4117,8 +4117,8 @@
         </p:nvSpPr>
         <p:spPr>
           <a:xfrm>
-            <a:off x="5486400" y="4114800"/>
-            <a:ext cx="2209800" cy="1600438"/>
+            <a:off x="5334000" y="3657600"/>
+            <a:ext cx="3276600" cy="1600438"/>
           </a:xfrm>
           <a:prstGeom prst="rect">
             <a:avLst/>
@@ -4164,6 +4164,41 @@
           </a:p>
           <a:p>
             <a:endParaRPr lang="en-US" dirty="0"/>
+          </a:p>
+        </p:txBody>
+      </p:sp>
+      <p:sp>
+        <p:nvSpPr>
+          <p:cNvPr id="4" name="TextBox 3">
+            <a:extLst>
+              <a:ext uri="{FF2B5EF4-FFF2-40B4-BE49-F238E27FC236}">
+                <a16:creationId xmlns:a16="http://schemas.microsoft.com/office/drawing/2014/main" id="{7346FA72-8802-6C04-2333-7297EED8A0A7}"/>
+              </a:ext>
+            </a:extLst>
+          </p:cNvPr>
+          <p:cNvSpPr txBox="1"/>
+          <p:nvPr/>
+        </p:nvSpPr>
+        <p:spPr>
+          <a:xfrm>
+            <a:off x="1600200" y="3429000"/>
+            <a:ext cx="2895600" cy="461665"/>
+          </a:xfrm>
+          <a:prstGeom prst="rect">
+            <a:avLst/>
+          </a:prstGeom>
+          <a:noFill/>
+        </p:spPr>
+        <p:txBody>
+          <a:bodyPr wrap="square" rtlCol="0">
+            <a:spAutoFit/>
+          </a:bodyPr>
+          <a:lstStyle/>
+          <a:p>
+            <a:r>
+              <a:rPr lang="en-IN" sz="2400" dirty="0"/>
+              <a:t>Trainer: Javeed Sir</a:t>
+            </a:r>
           </a:p>
         </p:txBody>
       </p:sp>
